--- a/docx/Podsumowanie.pptx
+++ b/docx/Podsumowanie.pptx
@@ -6865,14 +6865,13 @@
           <a:p>
             <a:r>
               <a:rPr lang="pl-PL" dirty="0"/>
-              <a:t>Nie udało się skorzystać z Centrum Obliczeniowego</a:t>
-            </a:r>
-          </a:p>
-          <a:p>
-            <a:r>
-              <a:rPr lang="pl-PL" dirty="0"/>
-              <a:t>Problem ze zleceniodawcą</a:t>
-            </a:r>
+              <a:t>Nie udało się skorzystać z </a:t>
+            </a:r>
+            <a:r>
+              <a:rPr lang="pl-PL"/>
+              <a:t>Centrum Obliczeniowego</a:t>
+            </a:r>
+            <a:endParaRPr lang="pl-PL" dirty="0"/>
           </a:p>
         </p:txBody>
       </p:sp>
